--- a/IO-1.pptx
+++ b/IO-1.pptx
@@ -5,7 +5,7 @@
     <p:sldMasterId id="2147483648" r:id="rId1"/>
   </p:sldMasterIdLst>
   <p:notesMasterIdLst>
-    <p:notesMasterId r:id="rId56"/>
+    <p:notesMasterId r:id="rId57"/>
   </p:notesMasterIdLst>
   <p:sldIdLst>
     <p:sldId id="283" r:id="rId2"/>
@@ -58,10 +58,11 @@
     <p:sldId id="331" r:id="rId49"/>
     <p:sldId id="324" r:id="rId50"/>
     <p:sldId id="325" r:id="rId51"/>
-    <p:sldId id="327" r:id="rId52"/>
-    <p:sldId id="328" r:id="rId53"/>
-    <p:sldId id="329" r:id="rId54"/>
-    <p:sldId id="330" r:id="rId55"/>
+    <p:sldId id="337" r:id="rId52"/>
+    <p:sldId id="327" r:id="rId53"/>
+    <p:sldId id="328" r:id="rId54"/>
+    <p:sldId id="329" r:id="rId55"/>
+    <p:sldId id="330" r:id="rId56"/>
   </p:sldIdLst>
   <p:sldSz cx="9144000" cy="6858000" type="screen4x3"/>
   <p:notesSz cx="6858000" cy="9144000"/>
@@ -18567,8 +18568,123 @@
         </p:blipFill>
         <p:spPr bwMode="auto">
           <a:xfrm>
-            <a:off x="2895600" y="2057400"/>
-            <a:ext cx="3429000" cy="3429000"/>
+            <a:off x="228600" y="762000"/>
+            <a:ext cx="1447800" cy="1447800"/>
+          </a:xfrm>
+          <a:prstGeom prst="rect">
+            <a:avLst/>
+          </a:prstGeom>
+          <a:noFill/>
+        </p:spPr>
+      </p:pic>
+      <p:sp>
+        <p:nvSpPr>
+          <p:cNvPr id="6" name="TextBox 5"/>
+          <p:cNvSpPr txBox="1"/>
+          <p:nvPr/>
+        </p:nvSpPr>
+        <p:spPr>
+          <a:xfrm>
+            <a:off x="304800" y="2514600"/>
+            <a:ext cx="3581400" cy="3323987"/>
+          </a:xfrm>
+          <a:prstGeom prst="rect">
+            <a:avLst/>
+          </a:prstGeom>
+          <a:noFill/>
+          <a:ln>
+            <a:solidFill>
+              <a:schemeClr val="accent1"/>
+            </a:solidFill>
+          </a:ln>
+        </p:spPr>
+        <p:txBody>
+          <a:bodyPr wrap="square" rtlCol="0">
+            <a:spAutoFit/>
+          </a:bodyPr>
+          <a:lstStyle/>
+          <a:p>
+            <a:pPr algn="just"/>
+            <a:r>
+              <a:rPr lang="en-US" b="1" dirty="0" smtClean="0"/>
+              <a:t>V. A. Shiva </a:t>
+            </a:r>
+            <a:r>
+              <a:rPr lang="en-US" b="1" dirty="0" err="1" smtClean="0"/>
+              <a:t>Ayyadurai</a:t>
+            </a:r>
+            <a:r>
+              <a:rPr lang="en-US" dirty="0" smtClean="0"/>
+              <a:t> is an Indian-born American scientist and entrepreneur. </a:t>
+            </a:r>
+            <a:r>
+              <a:rPr lang="en-US" dirty="0" err="1" smtClean="0"/>
+              <a:t>Ayyadurai</a:t>
+            </a:r>
+            <a:r>
+              <a:rPr lang="en-US" dirty="0" smtClean="0"/>
+              <a:t> is notable for his controversial claim to be the "inventor of email". His claim is based on the electronic mail software he wrote as a </a:t>
+            </a:r>
+            <a:r>
+              <a:rPr lang="en-US" dirty="0" smtClean="0">
+                <a:hlinkClick r:id="rId3" tooltip="New Jersey"/>
+              </a:rPr>
+              <a:t>New Jersey</a:t>
+            </a:r>
+            <a:r>
+              <a:rPr lang="en-US" dirty="0" smtClean="0"/>
+              <a:t> high school </a:t>
+            </a:r>
+            <a:r>
+              <a:rPr lang="en-US" dirty="0" smtClean="0"/>
+              <a:t>student at the age of 14, </a:t>
+            </a:r>
+            <a:r>
+              <a:rPr lang="en-US" dirty="0" smtClean="0"/>
+              <a:t>in the late 1970s, which he called </a:t>
+            </a:r>
+            <a:r>
+              <a:rPr lang="en-US" i="1" dirty="0" smtClean="0"/>
+              <a:t>EMAIL</a:t>
+            </a:r>
+            <a:r>
+              <a:rPr lang="en-US" dirty="0" smtClean="0"/>
+              <a:t>.</a:t>
+            </a:r>
+          </a:p>
+          <a:p>
+            <a:pPr algn="just"/>
+            <a:r>
+              <a:rPr lang="en-US" dirty="0" smtClean="0"/>
+              <a:t>Source: </a:t>
+            </a:r>
+            <a:r>
+              <a:rPr lang="en-US" sz="1200" dirty="0" smtClean="0"/>
+              <a:t>https://en.wikipedia.org/wiki/Shiva_Ayyadurai</a:t>
+            </a:r>
+            <a:endParaRPr lang="en-US" sz="1200" dirty="0"/>
+          </a:p>
+        </p:txBody>
+      </p:sp>
+      <p:pic>
+        <p:nvPicPr>
+          <p:cNvPr id="54280" name="Picture 8" descr="V.A.Shiva.2012.jpg"/>
+          <p:cNvPicPr>
+            <a:picLocks noChangeAspect="1" noChangeArrowheads="1"/>
+          </p:cNvPicPr>
+          <p:nvPr/>
+        </p:nvPicPr>
+        <p:blipFill>
+          <a:blip r:embed="rId4"/>
+          <a:srcRect/>
+          <a:stretch>
+            <a:fillRect/>
+          </a:stretch>
+        </p:blipFill>
+        <p:spPr bwMode="auto">
+          <a:xfrm>
+            <a:off x="5562599" y="1905000"/>
+            <a:ext cx="2976217" cy="3733800"/>
           </a:xfrm>
           <a:prstGeom prst="rect">
             <a:avLst/>
@@ -20772,11 +20888,228 @@
           </a:p>
         </p:txBody>
       </p:sp>
+      <p:sp>
+        <p:nvSpPr>
+          <p:cNvPr id="5" name="TextBox 4"/>
+          <p:cNvSpPr txBox="1"/>
+          <p:nvPr/>
+        </p:nvSpPr>
+        <p:spPr>
+          <a:xfrm>
+            <a:off x="304800" y="1676400"/>
+            <a:ext cx="8458200" cy="923330"/>
+          </a:xfrm>
+          <a:prstGeom prst="rect">
+            <a:avLst/>
+          </a:prstGeom>
+          <a:noFill/>
+          <a:ln>
+            <a:solidFill>
+              <a:srgbClr val="FF0000"/>
+            </a:solidFill>
+          </a:ln>
+        </p:spPr>
+        <p:txBody>
+          <a:bodyPr wrap="square" rtlCol="0">
+            <a:spAutoFit/>
+          </a:bodyPr>
+          <a:lstStyle/>
+          <a:p>
+            <a:r>
+              <a:rPr lang="en-US" dirty="0" smtClean="0"/>
+              <a:t>Though email was widely used to send  and receive message, it was limited to one-to-one message and  to messages addressed to  a group. This did not resolve the need to information sharing with a wider audience without any limitation</a:t>
+            </a:r>
+            <a:endParaRPr lang="en-US" dirty="0"/>
+          </a:p>
+        </p:txBody>
+      </p:sp>
+      <p:sp>
+        <p:nvSpPr>
+          <p:cNvPr id="7" name="TextBox 6"/>
+          <p:cNvSpPr txBox="1"/>
+          <p:nvPr/>
+        </p:nvSpPr>
+        <p:spPr>
+          <a:xfrm>
+            <a:off x="152400" y="2819400"/>
+            <a:ext cx="5867400" cy="3505200"/>
+          </a:xfrm>
+          <a:prstGeom prst="rect">
+            <a:avLst/>
+          </a:prstGeom>
+          <a:noFill/>
+          <a:ln>
+            <a:solidFill>
+              <a:srgbClr val="FF0000"/>
+            </a:solidFill>
+          </a:ln>
+        </p:spPr>
+        <p:txBody>
+          <a:bodyPr wrap="square" rtlCol="0">
+            <a:spAutoFit/>
+          </a:bodyPr>
+          <a:lstStyle/>
+          <a:p>
+            <a:pPr algn="just"/>
+            <a:r>
+              <a:rPr lang="en-US" sz="1600" dirty="0" smtClean="0"/>
+              <a:t>A London based computer </a:t>
+            </a:r>
+            <a:r>
+              <a:rPr lang="en-US" sz="1600" dirty="0" smtClean="0"/>
+              <a:t>British computer </a:t>
+            </a:r>
+            <a:r>
+              <a:rPr lang="en-US" sz="1600" dirty="0" err="1" smtClean="0"/>
+              <a:t>scientist.Sir</a:t>
+            </a:r>
+            <a:r>
+              <a:rPr lang="en-US" sz="1600" dirty="0" smtClean="0"/>
+              <a:t> </a:t>
+            </a:r>
+            <a:r>
+              <a:rPr lang="en-US" sz="1600" dirty="0" smtClean="0"/>
+              <a:t>Tim Berners-Lee is </a:t>
+            </a:r>
+            <a:r>
+              <a:rPr lang="en-US" sz="1600" dirty="0" smtClean="0"/>
+              <a:t>the inventor of World Wide Web. The problem he  faced while working as a scientist was sharing of information across the team members.</a:t>
+            </a:r>
+            <a:r>
+              <a:rPr lang="en-US" sz="1600" dirty="0" smtClean="0"/>
+              <a:t> Tim thought </a:t>
+            </a:r>
+            <a:r>
+              <a:rPr lang="en-US" sz="1600" dirty="0" smtClean="0"/>
+              <a:t>of a way </a:t>
+            </a:r>
+            <a:r>
+              <a:rPr lang="en-US" sz="1600" dirty="0" smtClean="0"/>
+              <a:t>to solve this </a:t>
+            </a:r>
+            <a:r>
+              <a:rPr lang="en-US" sz="1600" dirty="0" smtClean="0"/>
+              <a:t>problem and that was WWW.</a:t>
+            </a:r>
+          </a:p>
+          <a:p>
+            <a:pPr algn="just"/>
+            <a:r>
+              <a:rPr lang="en-US" sz="1600" dirty="0" smtClean="0"/>
+              <a:t>By October of 1990, Tim had written the three fundamental technologies that remain the foundation of today’s web (and which you may have seen appear on parts of your web browser):</a:t>
+            </a:r>
+          </a:p>
+          <a:p>
+            <a:pPr>
+              <a:buFont typeface="Wingdings" pitchFamily="2" charset="2"/>
+              <a:buChar char="Ø"/>
+            </a:pPr>
+            <a:r>
+              <a:rPr lang="en-US" sz="1600" b="1" dirty="0" smtClean="0">
+                <a:solidFill>
+                  <a:srgbClr val="92D050"/>
+                </a:solidFill>
+              </a:rPr>
+              <a:t>HTML: </a:t>
+            </a:r>
+            <a:r>
+              <a:rPr lang="en-US" sz="1600" b="1" dirty="0" err="1" smtClean="0">
+                <a:solidFill>
+                  <a:srgbClr val="92D050"/>
+                </a:solidFill>
+              </a:rPr>
+              <a:t>HyperText</a:t>
+            </a:r>
+            <a:r>
+              <a:rPr lang="en-US" sz="1600" b="1" dirty="0" smtClean="0">
+                <a:solidFill>
+                  <a:srgbClr val="92D050"/>
+                </a:solidFill>
+              </a:rPr>
+              <a:t> Markup Language. The markup (formatting) language for the web.</a:t>
+            </a:r>
+          </a:p>
+          <a:p>
+            <a:pPr>
+              <a:buFont typeface="Wingdings" pitchFamily="2" charset="2"/>
+              <a:buChar char="Ø"/>
+            </a:pPr>
+            <a:r>
+              <a:rPr lang="en-US" sz="1600" b="1" dirty="0" smtClean="0">
+                <a:solidFill>
+                  <a:srgbClr val="92D050"/>
+                </a:solidFill>
+              </a:rPr>
+              <a:t>URI: Uniform Resource Identifier. A kind of “address” that is unique and used to identify to each resource on the web. It is also commonly called a URL.</a:t>
+            </a:r>
+          </a:p>
+          <a:p>
+            <a:pPr>
+              <a:buFont typeface="Wingdings" pitchFamily="2" charset="2"/>
+              <a:buChar char="Ø"/>
+            </a:pPr>
+            <a:r>
+              <a:rPr lang="en-US" sz="1600" b="1" dirty="0" smtClean="0">
+                <a:solidFill>
+                  <a:srgbClr val="92D050"/>
+                </a:solidFill>
+              </a:rPr>
+              <a:t>HTTP: Hypertext Transfer </a:t>
+            </a:r>
+            <a:r>
+              <a:rPr lang="en-US" sz="1600" b="1" dirty="0" smtClean="0">
+                <a:solidFill>
+                  <a:srgbClr val="92D050"/>
+                </a:solidFill>
+              </a:rPr>
+              <a:t>Protocol</a:t>
+            </a:r>
+            <a:endParaRPr lang="en-US" sz="1600" b="1" dirty="0" smtClean="0">
+              <a:solidFill>
+                <a:srgbClr val="92D050"/>
+              </a:solidFill>
+            </a:endParaRPr>
+          </a:p>
+        </p:txBody>
+      </p:sp>
+      <p:pic>
+        <p:nvPicPr>
+          <p:cNvPr id="58370" name="Picture 2" descr="Image result for Tim Berners-Lee"/>
+          <p:cNvPicPr>
+            <a:picLocks noChangeAspect="1" noChangeArrowheads="1"/>
+          </p:cNvPicPr>
+          <p:nvPr/>
+        </p:nvPicPr>
+        <p:blipFill>
+          <a:blip r:embed="rId2" cstate="print"/>
+          <a:srcRect/>
+          <a:stretch>
+            <a:fillRect/>
+          </a:stretch>
+        </p:blipFill>
+        <p:spPr bwMode="auto">
+          <a:xfrm>
+            <a:off x="6096000" y="3048000"/>
+            <a:ext cx="2819400" cy="1878084"/>
+          </a:xfrm>
+          <a:prstGeom prst="rect">
+            <a:avLst/>
+          </a:prstGeom>
+          <a:noFill/>
+        </p:spPr>
+      </p:pic>
     </p:spTree>
   </p:cSld>
   <p:clrMapOvr>
     <a:masterClrMapping/>
   </p:clrMapOvr>
+  <p:timing>
+    <p:tnLst>
+      <p:par>
+        <p:cTn id="1" dur="indefinite" restart="never" nodeType="tmRoot"/>
+      </p:par>
+    </p:tnLst>
+  </p:timing>
 </p:sld>
 </file>
 
@@ -20958,6 +21291,472 @@
           </a:p>
         </p:txBody>
       </p:sp>
+      <p:pic>
+        <p:nvPicPr>
+          <p:cNvPr id="57345" name="Picture 1" descr="C:\Users\girish\AppData\Local\Microsoft\Windows\Temporary Internet Files\Content.IE5\JYR9ISNQ\Acer AS5733Z-P624G64Mnkk[1].jpg"/>
+          <p:cNvPicPr>
+            <a:picLocks noChangeAspect="1" noChangeArrowheads="1"/>
+          </p:cNvPicPr>
+          <p:nvPr/>
+        </p:nvPicPr>
+        <p:blipFill>
+          <a:blip r:embed="rId2" cstate="print"/>
+          <a:srcRect/>
+          <a:stretch>
+            <a:fillRect/>
+          </a:stretch>
+        </p:blipFill>
+        <p:spPr bwMode="auto">
+          <a:xfrm>
+            <a:off x="381000" y="4343401"/>
+            <a:ext cx="1482753" cy="1066799"/>
+          </a:xfrm>
+          <a:prstGeom prst="rect">
+            <a:avLst/>
+          </a:prstGeom>
+          <a:noFill/>
+        </p:spPr>
+      </p:pic>
+      <p:sp>
+        <p:nvSpPr>
+          <p:cNvPr id="57348" name="AutoShape 4" descr="Image result for Web server"/>
+          <p:cNvSpPr>
+            <a:spLocks noChangeAspect="1" noChangeArrowheads="1"/>
+          </p:cNvSpPr>
+          <p:nvPr/>
+        </p:nvSpPr>
+        <p:spPr bwMode="auto">
+          <a:xfrm>
+            <a:off x="155575" y="-144463"/>
+            <a:ext cx="304800" cy="304801"/>
+          </a:xfrm>
+          <a:prstGeom prst="rect">
+            <a:avLst/>
+          </a:prstGeom>
+          <a:noFill/>
+        </p:spPr>
+        <p:txBody>
+          <a:bodyPr vert="horz" wrap="square" lIns="91440" tIns="45720" rIns="91440" bIns="45720" numCol="1" anchor="t" anchorCtr="0" compatLnSpc="1">
+            <a:prstTxWarp prst="textNoShape">
+              <a:avLst/>
+            </a:prstTxWarp>
+          </a:bodyPr>
+          <a:lstStyle/>
+          <a:p>
+            <a:endParaRPr lang="en-US"/>
+          </a:p>
+        </p:txBody>
+      </p:sp>
+      <p:sp>
+        <p:nvSpPr>
+          <p:cNvPr id="57350" name="AutoShape 6" descr="Image result for Web server"/>
+          <p:cNvSpPr>
+            <a:spLocks noChangeAspect="1" noChangeArrowheads="1"/>
+          </p:cNvSpPr>
+          <p:nvPr/>
+        </p:nvSpPr>
+        <p:spPr bwMode="auto">
+          <a:xfrm>
+            <a:off x="155575" y="-144463"/>
+            <a:ext cx="304800" cy="304801"/>
+          </a:xfrm>
+          <a:prstGeom prst="rect">
+            <a:avLst/>
+          </a:prstGeom>
+          <a:noFill/>
+        </p:spPr>
+        <p:txBody>
+          <a:bodyPr vert="horz" wrap="square" lIns="91440" tIns="45720" rIns="91440" bIns="45720" numCol="1" anchor="t" anchorCtr="0" compatLnSpc="1">
+            <a:prstTxWarp prst="textNoShape">
+              <a:avLst/>
+            </a:prstTxWarp>
+          </a:bodyPr>
+          <a:lstStyle/>
+          <a:p>
+            <a:endParaRPr lang="en-US"/>
+          </a:p>
+        </p:txBody>
+      </p:sp>
+      <p:pic>
+        <p:nvPicPr>
+          <p:cNvPr id="57352" name="Picture 8" descr="Image result for Web server"/>
+          <p:cNvPicPr>
+            <a:picLocks noChangeAspect="1" noChangeArrowheads="1"/>
+          </p:cNvPicPr>
+          <p:nvPr/>
+        </p:nvPicPr>
+        <p:blipFill>
+          <a:blip r:embed="rId3"/>
+          <a:srcRect/>
+          <a:stretch>
+            <a:fillRect/>
+          </a:stretch>
+        </p:blipFill>
+        <p:spPr bwMode="auto">
+          <a:xfrm>
+            <a:off x="6629400" y="4648200"/>
+            <a:ext cx="2240280" cy="1600200"/>
+          </a:xfrm>
+          <a:prstGeom prst="rect">
+            <a:avLst/>
+          </a:prstGeom>
+          <a:noFill/>
+        </p:spPr>
+      </p:pic>
+      <p:sp>
+        <p:nvSpPr>
+          <p:cNvPr id="10" name="Cloud Callout 9"/>
+          <p:cNvSpPr/>
+          <p:nvPr/>
+        </p:nvSpPr>
+        <p:spPr>
+          <a:xfrm>
+            <a:off x="3124200" y="2286000"/>
+            <a:ext cx="3276600" cy="1524000"/>
+          </a:xfrm>
+          <a:prstGeom prst="cloudCallout">
+            <a:avLst/>
+          </a:prstGeom>
+          <a:gradFill flip="none" rotWithShape="1">
+            <a:gsLst>
+              <a:gs pos="0">
+                <a:schemeClr val="accent1">
+                  <a:tint val="66000"/>
+                  <a:satMod val="160000"/>
+                </a:schemeClr>
+              </a:gs>
+              <a:gs pos="50000">
+                <a:schemeClr val="accent1">
+                  <a:tint val="44500"/>
+                  <a:satMod val="160000"/>
+                </a:schemeClr>
+              </a:gs>
+              <a:gs pos="100000">
+                <a:schemeClr val="accent1">
+                  <a:tint val="23500"/>
+                  <a:satMod val="160000"/>
+                </a:schemeClr>
+              </a:gs>
+            </a:gsLst>
+            <a:path path="circle">
+              <a:fillToRect l="50000" t="50000" r="50000" b="50000"/>
+            </a:path>
+            <a:tileRect/>
+          </a:gradFill>
+        </p:spPr>
+        <p:style>
+          <a:lnRef idx="2">
+            <a:schemeClr val="accent1">
+              <a:shade val="50000"/>
+            </a:schemeClr>
+          </a:lnRef>
+          <a:fillRef idx="1">
+            <a:schemeClr val="accent1"/>
+          </a:fillRef>
+          <a:effectRef idx="0">
+            <a:schemeClr val="accent1"/>
+          </a:effectRef>
+          <a:fontRef idx="minor">
+            <a:schemeClr val="lt1"/>
+          </a:fontRef>
+        </p:style>
+        <p:txBody>
+          <a:bodyPr rtlCol="0" anchor="ctr"/>
+          <a:lstStyle/>
+          <a:p>
+            <a:pPr algn="ctr"/>
+            <a:r>
+              <a:rPr lang="en-US" sz="3600" dirty="0" smtClean="0">
+                <a:latin typeface="Bookman Old Style" pitchFamily="18" charset="0"/>
+              </a:rPr>
+              <a:t>Internet</a:t>
+            </a:r>
+            <a:endParaRPr lang="en-US" sz="3600" dirty="0">
+              <a:latin typeface="Bookman Old Style" pitchFamily="18" charset="0"/>
+            </a:endParaRPr>
+          </a:p>
+        </p:txBody>
+      </p:sp>
+      <p:cxnSp>
+        <p:nvCxnSpPr>
+          <p:cNvPr id="12" name="Straight Arrow Connector 11"/>
+          <p:cNvCxnSpPr/>
+          <p:nvPr/>
+        </p:nvCxnSpPr>
+        <p:spPr>
+          <a:xfrm flipV="1">
+            <a:off x="1981200" y="3429000"/>
+            <a:ext cx="1066800" cy="838200"/>
+          </a:xfrm>
+          <a:prstGeom prst="straightConnector1">
+            <a:avLst/>
+          </a:prstGeom>
+          <a:ln>
+            <a:headEnd type="arrow"/>
+            <a:tailEnd type="arrow"/>
+          </a:ln>
+        </p:spPr>
+        <p:style>
+          <a:lnRef idx="1">
+            <a:schemeClr val="accent1"/>
+          </a:lnRef>
+          <a:fillRef idx="0">
+            <a:schemeClr val="accent1"/>
+          </a:fillRef>
+          <a:effectRef idx="0">
+            <a:schemeClr val="accent1"/>
+          </a:effectRef>
+          <a:fontRef idx="minor">
+            <a:schemeClr val="tx1"/>
+          </a:fontRef>
+        </p:style>
+      </p:cxnSp>
+      <p:cxnSp>
+        <p:nvCxnSpPr>
+          <p:cNvPr id="14" name="Straight Arrow Connector 13"/>
+          <p:cNvCxnSpPr/>
+          <p:nvPr/>
+        </p:nvCxnSpPr>
+        <p:spPr>
+          <a:xfrm rot="16200000" flipH="1">
+            <a:off x="5676900" y="3771900"/>
+            <a:ext cx="990600" cy="762000"/>
+          </a:xfrm>
+          <a:prstGeom prst="straightConnector1">
+            <a:avLst/>
+          </a:prstGeom>
+          <a:ln>
+            <a:headEnd type="arrow"/>
+            <a:tailEnd type="arrow"/>
+          </a:ln>
+        </p:spPr>
+        <p:style>
+          <a:lnRef idx="1">
+            <a:schemeClr val="accent1"/>
+          </a:lnRef>
+          <a:fillRef idx="0">
+            <a:schemeClr val="accent1"/>
+          </a:fillRef>
+          <a:effectRef idx="0">
+            <a:schemeClr val="accent1"/>
+          </a:effectRef>
+          <a:fontRef idx="minor">
+            <a:schemeClr val="tx1"/>
+          </a:fontRef>
+        </p:style>
+      </p:cxnSp>
+      <p:sp>
+        <p:nvSpPr>
+          <p:cNvPr id="15" name="Rectangle 14"/>
+          <p:cNvSpPr/>
+          <p:nvPr/>
+        </p:nvSpPr>
+        <p:spPr>
+          <a:xfrm>
+            <a:off x="228600" y="2971800"/>
+            <a:ext cx="2667000" cy="584775"/>
+          </a:xfrm>
+          <a:prstGeom prst="rect">
+            <a:avLst/>
+          </a:prstGeom>
+        </p:spPr>
+        <p:txBody>
+          <a:bodyPr wrap="square">
+            <a:spAutoFit/>
+          </a:bodyPr>
+          <a:lstStyle/>
+          <a:p>
+            <a:r>
+              <a:rPr lang="en-US" sz="1600" b="1" dirty="0" smtClean="0"/>
+              <a:t>GET </a:t>
+            </a:r>
+            <a:r>
+              <a:rPr lang="en-US" sz="1600" b="1" dirty="0" smtClean="0">
+                <a:hlinkClick r:id="rId4"/>
+              </a:rPr>
+              <a:t>http://</a:t>
+            </a:r>
+            <a:r>
+              <a:rPr lang="en-US" sz="1600" b="1" dirty="0" smtClean="0">
+                <a:hlinkClick r:id="rId4"/>
+              </a:rPr>
+              <a:t>www.cnn.com</a:t>
+            </a:r>
+            <a:r>
+              <a:rPr lang="en-US" sz="1600" b="1" dirty="0" smtClean="0"/>
+              <a:t> HTTP/1.1</a:t>
+            </a:r>
+            <a:endParaRPr lang="en-US" sz="1600" dirty="0"/>
+          </a:p>
+        </p:txBody>
+      </p:sp>
+      <p:sp>
+        <p:nvSpPr>
+          <p:cNvPr id="16" name="TextBox 15"/>
+          <p:cNvSpPr txBox="1"/>
+          <p:nvPr/>
+        </p:nvSpPr>
+        <p:spPr>
+          <a:xfrm>
+            <a:off x="6477000" y="1676400"/>
+            <a:ext cx="2667000" cy="2677656"/>
+          </a:xfrm>
+          <a:prstGeom prst="rect">
+            <a:avLst/>
+          </a:prstGeom>
+          <a:noFill/>
+        </p:spPr>
+        <p:txBody>
+          <a:bodyPr wrap="square" rtlCol="0">
+            <a:spAutoFit/>
+          </a:bodyPr>
+          <a:lstStyle/>
+          <a:p>
+            <a:r>
+              <a:rPr lang="en-US" sz="1400" dirty="0" smtClean="0"/>
+              <a:t>HTTP/1.1 200 OK Date: Mon, 27 Jul 2009 12:28:53 GMT Server: Apache/2.2.14 (Win32) Last-Modified: Wed, 22 Jul 2009 19:15:56 GMT Content-Length: 88 Content-Type: text/html Connection: Closed </a:t>
+            </a:r>
+            <a:endParaRPr lang="en-US" sz="1400" dirty="0" smtClean="0"/>
+          </a:p>
+          <a:p>
+            <a:r>
+              <a:rPr lang="en-US" sz="1400" dirty="0" smtClean="0"/>
+              <a:t>&lt;</a:t>
+            </a:r>
+            <a:r>
+              <a:rPr lang="en-US" sz="1400" dirty="0" smtClean="0"/>
+              <a:t>html</a:t>
+            </a:r>
+            <a:r>
+              <a:rPr lang="en-US" sz="1400" dirty="0" smtClean="0"/>
+              <a:t>&gt;</a:t>
+            </a:r>
+          </a:p>
+          <a:p>
+            <a:r>
+              <a:rPr lang="en-US" sz="1400" dirty="0" smtClean="0"/>
+              <a:t> </a:t>
+            </a:r>
+            <a:r>
+              <a:rPr lang="en-US" sz="1400" dirty="0" smtClean="0"/>
+              <a:t>&lt;body</a:t>
+            </a:r>
+            <a:r>
+              <a:rPr lang="en-US" sz="1400" dirty="0" smtClean="0"/>
+              <a:t>&gt;</a:t>
+            </a:r>
+          </a:p>
+          <a:p>
+            <a:r>
+              <a:rPr lang="en-US" sz="1400" dirty="0" smtClean="0"/>
+              <a:t> </a:t>
+            </a:r>
+            <a:r>
+              <a:rPr lang="en-US" sz="1400" dirty="0" smtClean="0"/>
+              <a:t>&lt;</a:t>
+            </a:r>
+            <a:r>
+              <a:rPr lang="en-US" sz="1400" dirty="0" smtClean="0"/>
+              <a:t>h1&gt;</a:t>
+            </a:r>
+            <a:r>
+              <a:rPr lang="en-US" sz="1400" dirty="0" err="1" smtClean="0"/>
+              <a:t>Hello,World</a:t>
+            </a:r>
+            <a:r>
+              <a:rPr lang="en-US" sz="1400" dirty="0" smtClean="0"/>
+              <a:t>!&lt;/h1</a:t>
+            </a:r>
+            <a:r>
+              <a:rPr lang="en-US" sz="1400" dirty="0" smtClean="0"/>
+              <a:t>&gt;</a:t>
+            </a:r>
+          </a:p>
+          <a:p>
+            <a:r>
+              <a:rPr lang="en-US" sz="1400" dirty="0" smtClean="0"/>
+              <a:t> &lt;/</a:t>
+            </a:r>
+            <a:r>
+              <a:rPr lang="en-US" sz="1400" dirty="0" smtClean="0"/>
+              <a:t>body</a:t>
+            </a:r>
+            <a:r>
+              <a:rPr lang="en-US" sz="1400" dirty="0" smtClean="0"/>
+              <a:t>&gt;</a:t>
+            </a:r>
+          </a:p>
+          <a:p>
+            <a:r>
+              <a:rPr lang="en-US" sz="1400" dirty="0" smtClean="0"/>
+              <a:t> </a:t>
+            </a:r>
+            <a:r>
+              <a:rPr lang="en-US" sz="1400" dirty="0" smtClean="0"/>
+              <a:t>&lt;/html&gt;</a:t>
+            </a:r>
+            <a:endParaRPr lang="en-US" sz="1400" dirty="0"/>
+          </a:p>
+        </p:txBody>
+      </p:sp>
+    </p:spTree>
+  </p:cSld>
+  <p:clrMapOvr>
+    <a:masterClrMapping/>
+  </p:clrMapOvr>
+  <p:timing>
+    <p:tnLst>
+      <p:par>
+        <p:cTn id="1" dur="indefinite" restart="never" nodeType="tmRoot"/>
+      </p:par>
+    </p:tnLst>
+  </p:timing>
+</p:sld>
+</file>
+
+<file path=ppt/slides/slide51.xml><?xml version="1.0" encoding="utf-8"?>
+<p:sld xmlns:a="http://schemas.openxmlformats.org/drawingml/2006/main" xmlns:r="http://schemas.openxmlformats.org/officeDocument/2006/relationships" xmlns:p="http://schemas.openxmlformats.org/presentationml/2006/main">
+  <p:cSld>
+    <p:spTree>
+      <p:nvGrpSpPr>
+        <p:cNvPr id="1" name=""/>
+        <p:cNvGrpSpPr/>
+        <p:nvPr/>
+      </p:nvGrpSpPr>
+      <p:grpSpPr>
+        <a:xfrm>
+          <a:off x="0" y="0"/>
+          <a:ext cx="0" cy="0"/>
+          <a:chOff x="0" y="0"/>
+          <a:chExt cx="0" cy="0"/>
+        </a:xfrm>
+      </p:grpSpPr>
+      <p:pic>
+        <p:nvPicPr>
+          <p:cNvPr id="70658" name="Picture 2" descr="Image result for http protocol sequence diagram"/>
+          <p:cNvPicPr>
+            <a:picLocks noChangeAspect="1" noChangeArrowheads="1"/>
+          </p:cNvPicPr>
+          <p:nvPr/>
+        </p:nvPicPr>
+        <p:blipFill>
+          <a:blip r:embed="rId2"/>
+          <a:srcRect/>
+          <a:stretch>
+            <a:fillRect/>
+          </a:stretch>
+        </p:blipFill>
+        <p:spPr bwMode="auto">
+          <a:xfrm>
+            <a:off x="381000" y="533400"/>
+            <a:ext cx="7620000" cy="6113136"/>
+          </a:xfrm>
+          <a:prstGeom prst="rect">
+            <a:avLst/>
+          </a:prstGeom>
+          <a:noFill/>
+        </p:spPr>
+      </p:pic>
     </p:spTree>
   </p:cSld>
   <p:clrMapOvr>
@@ -20966,7 +21765,7 @@
 </p:sld>
 </file>
 
-<file path=ppt/slides/slide51.xml><?xml version="1.0" encoding="utf-8"?>
+<file path=ppt/slides/slide52.xml><?xml version="1.0" encoding="utf-8"?>
 <p:sld xmlns:a="http://schemas.openxmlformats.org/drawingml/2006/main" xmlns:r="http://schemas.openxmlformats.org/officeDocument/2006/relationships" xmlns:p="http://schemas.openxmlformats.org/presentationml/2006/main">
   <p:cSld>
     <p:spTree>
@@ -21017,10 +21816,17 @@
   <p:clrMapOvr>
     <a:masterClrMapping/>
   </p:clrMapOvr>
+  <p:timing>
+    <p:tnLst>
+      <p:par>
+        <p:cTn id="1" dur="indefinite" restart="never" nodeType="tmRoot"/>
+      </p:par>
+    </p:tnLst>
+  </p:timing>
 </p:sld>
 </file>
 
-<file path=ppt/slides/slide52.xml><?xml version="1.0" encoding="utf-8"?>
+<file path=ppt/slides/slide53.xml><?xml version="1.0" encoding="utf-8"?>
 <p:sld xmlns:a="http://schemas.openxmlformats.org/drawingml/2006/main" xmlns:r="http://schemas.openxmlformats.org/officeDocument/2006/relationships" xmlns:p="http://schemas.openxmlformats.org/presentationml/2006/main">
   <p:cSld>
     <p:spTree>
@@ -23573,7 +24379,7 @@
 </p:sld>
 </file>
 
-<file path=ppt/slides/slide53.xml><?xml version="1.0" encoding="utf-8"?>
+<file path=ppt/slides/slide54.xml><?xml version="1.0" encoding="utf-8"?>
 <p:sld xmlns:a="http://schemas.openxmlformats.org/drawingml/2006/main" xmlns:r="http://schemas.openxmlformats.org/officeDocument/2006/relationships" xmlns:p="http://schemas.openxmlformats.org/presentationml/2006/main">
   <p:cSld>
     <p:spTree>
@@ -23770,7 +24576,7 @@
 </p:sld>
 </file>
 
-<file path=ppt/slides/slide54.xml><?xml version="1.0" encoding="utf-8"?>
+<file path=ppt/slides/slide55.xml><?xml version="1.0" encoding="utf-8"?>
 <p:sld xmlns:a="http://schemas.openxmlformats.org/drawingml/2006/main" xmlns:r="http://schemas.openxmlformats.org/officeDocument/2006/relationships" xmlns:p="http://schemas.openxmlformats.org/presentationml/2006/main">
   <p:cSld>
     <p:spTree>
